--- a/projet_arduino_led/Projet_Arduino_Maryam_Evlyn.pptx
+++ b/projet_arduino_led/Projet_Arduino_Maryam_Evlyn.pptx
@@ -5,10 +5,10 @@
     <p:sldMasterId id="2147483648" r:id="rId4"/>
   </p:sldMasterIdLst>
   <p:notesMasterIdLst>
-    <p:notesMasterId r:id="rId14"/>
+    <p:notesMasterId r:id="rId15"/>
   </p:notesMasterIdLst>
   <p:handoutMasterIdLst>
-    <p:handoutMasterId r:id="rId15"/>
+    <p:handoutMasterId r:id="rId16"/>
   </p:handoutMasterIdLst>
   <p:sldIdLst>
     <p:sldId id="256" r:id="rId5"/>
@@ -19,7 +19,8 @@
     <p:sldId id="269" r:id="rId10"/>
     <p:sldId id="270" r:id="rId11"/>
     <p:sldId id="271" r:id="rId12"/>
-    <p:sldId id="272" r:id="rId13"/>
+    <p:sldId id="273" r:id="rId13"/>
+    <p:sldId id="272" r:id="rId14"/>
   </p:sldIdLst>
   <p:sldSz cx="12192000" cy="6858000"/>
   <p:notesSz cx="6858000" cy="9144000"/>
@@ -3819,6 +3820,107 @@
 </p:sld>
 </file>
 
+<file path=ppt/slides/slide10.xml><?xml version="1.0" encoding="utf-8"?>
+<p:sld xmlns:a="http://schemas.openxmlformats.org/drawingml/2006/main" xmlns:r="http://schemas.openxmlformats.org/officeDocument/2006/relationships" xmlns:p="http://schemas.openxmlformats.org/presentationml/2006/main">
+  <p:cSld>
+    <p:spTree>
+      <p:nvGrpSpPr>
+        <p:cNvPr id="1" name=""/>
+        <p:cNvGrpSpPr/>
+        <p:nvPr/>
+      </p:nvGrpSpPr>
+      <p:grpSpPr>
+        <a:xfrm>
+          <a:off x="0" y="0"/>
+          <a:ext cx="0" cy="0"/>
+          <a:chOff x="0" y="0"/>
+          <a:chExt cx="0" cy="0"/>
+        </a:xfrm>
+      </p:grpSpPr>
+      <p:sp>
+        <p:nvSpPr>
+          <p:cNvPr id="2" name="Title 1">
+            <a:extLst>
+              <a:ext uri="{FF2B5EF4-FFF2-40B4-BE49-F238E27FC236}">
+                <a16:creationId xmlns:a16="http://schemas.microsoft.com/office/drawing/2014/main" id="{79608E7B-931A-FE4F-B9D7-4906022E14C7}"/>
+              </a:ext>
+            </a:extLst>
+          </p:cNvPr>
+          <p:cNvSpPr>
+            <a:spLocks noGrp="1"/>
+          </p:cNvSpPr>
+          <p:nvPr>
+            <p:ph type="title"/>
+          </p:nvPr>
+        </p:nvSpPr>
+        <p:spPr/>
+        <p:txBody>
+          <a:bodyPr/>
+          <a:lstStyle/>
+          <a:p>
+            <a:r>
+              <a:rPr lang="en-US" dirty="0"/>
+              <a:t>Merci pour </a:t>
+            </a:r>
+            <a:r>
+              <a:rPr lang="en-US" dirty="0" err="1"/>
+              <a:t>votre</a:t>
+            </a:r>
+            <a:r>
+              <a:rPr lang="en-US" dirty="0"/>
+              <a:t> attention ! :)</a:t>
+            </a:r>
+          </a:p>
+        </p:txBody>
+      </p:sp>
+      <p:pic>
+        <p:nvPicPr>
+          <p:cNvPr id="5" name="Content Placeholder 4">
+            <a:extLst>
+              <a:ext uri="{FF2B5EF4-FFF2-40B4-BE49-F238E27FC236}">
+                <a16:creationId xmlns:a16="http://schemas.microsoft.com/office/drawing/2014/main" id="{519BF7F1-2E29-954F-A57F-857ACEDC0D53}"/>
+              </a:ext>
+            </a:extLst>
+          </p:cNvPr>
+          <p:cNvPicPr>
+            <a:picLocks noGrp="1" noChangeAspect="1"/>
+          </p:cNvPicPr>
+          <p:nvPr>
+            <p:ph idx="1"/>
+          </p:nvPr>
+        </p:nvPicPr>
+        <p:blipFill>
+          <a:blip r:embed="rId2">
+            <a:extLst>
+              <a:ext uri="{28A0092B-C50C-407E-A947-70E740481C1C}">
+                <a14:useLocalDpi xmlns:a14="http://schemas.microsoft.com/office/drawing/2010/main" val="0"/>
+              </a:ext>
+            </a:extLst>
+          </a:blip>
+          <a:stretch>
+            <a:fillRect/>
+          </a:stretch>
+        </p:blipFill>
+        <p:spPr>
+          <a:xfrm>
+            <a:off x="3081014" y="1828800"/>
+            <a:ext cx="6029972" cy="4267200"/>
+          </a:xfrm>
+        </p:spPr>
+      </p:pic>
+    </p:spTree>
+    <p:extLst>
+      <p:ext uri="{BB962C8B-B14F-4D97-AF65-F5344CB8AC3E}">
+        <p14:creationId xmlns:p14="http://schemas.microsoft.com/office/powerpoint/2010/main" val="2374257877"/>
+      </p:ext>
+    </p:extLst>
+  </p:cSld>
+  <p:clrMapOvr>
+    <a:masterClrMapping/>
+  </p:clrMapOvr>
+</p:sld>
+</file>
+
 <file path=ppt/slides/slide2.xml><?xml version="1.0" encoding="utf-8"?>
 <p:sld xmlns:a="http://schemas.openxmlformats.org/drawingml/2006/main" xmlns:r="http://schemas.openxmlformats.org/officeDocument/2006/relationships" xmlns:p="http://schemas.openxmlformats.org/presentationml/2006/main">
   <p:cSld>
@@ -3905,6 +4007,16 @@
             <a:r>
               <a:rPr lang="fr-CH" sz="2800" dirty="0"/>
               <a:t>Déroulement du code</a:t>
+            </a:r>
+          </a:p>
+          <a:p>
+            <a:pPr marL="457200" indent="-457200">
+              <a:buFont typeface="+mj-lt"/>
+              <a:buAutoNum type="arabicPeriod"/>
+            </a:pPr>
+            <a:r>
+              <a:rPr lang="fr-CH" sz="2800" dirty="0"/>
+              <a:t>Difficultés rencontrées</a:t>
             </a:r>
             <a:endParaRPr sz="2800" dirty="0"/>
           </a:p>
@@ -4708,7 +4820,7 @@
           <p:cNvPr id="2" name="Title 1">
             <a:extLst>
               <a:ext uri="{FF2B5EF4-FFF2-40B4-BE49-F238E27FC236}">
-                <a16:creationId xmlns:a16="http://schemas.microsoft.com/office/drawing/2014/main" id="{79608E7B-931A-FE4F-B9D7-4906022E14C7}"/>
+                <a16:creationId xmlns:a16="http://schemas.microsoft.com/office/drawing/2014/main" id="{9680FBFD-9D65-AE4D-8116-14C3787D7FCB}"/>
               </a:ext>
             </a:extLst>
           </p:cNvPr>
@@ -4726,58 +4838,134 @@
           <a:p>
             <a:r>
               <a:rPr lang="en-US" dirty="0"/>
-              <a:t>Merci pour </a:t>
+              <a:t>4. </a:t>
             </a:r>
             <a:r>
               <a:rPr lang="en-US" dirty="0" err="1"/>
-              <a:t>votre</a:t>
+              <a:t>Difficultés</a:t>
             </a:r>
             <a:r>
               <a:rPr lang="en-US" dirty="0"/>
-              <a:t> attention ! :)</a:t>
-            </a:r>
-          </a:p>
-        </p:txBody>
-      </p:sp>
-      <p:pic>
-        <p:nvPicPr>
-          <p:cNvPr id="5" name="Content Placeholder 4">
+              <a:t> </a:t>
+            </a:r>
+            <a:r>
+              <a:rPr lang="en-US" dirty="0" err="1"/>
+              <a:t>rencontrées</a:t>
+            </a:r>
+            <a:endParaRPr lang="en-US" dirty="0"/>
+          </a:p>
+        </p:txBody>
+      </p:sp>
+      <p:sp>
+        <p:nvSpPr>
+          <p:cNvPr id="3" name="Content Placeholder 2">
             <a:extLst>
               <a:ext uri="{FF2B5EF4-FFF2-40B4-BE49-F238E27FC236}">
-                <a16:creationId xmlns:a16="http://schemas.microsoft.com/office/drawing/2014/main" id="{519BF7F1-2E29-954F-A57F-857ACEDC0D53}"/>
+                <a16:creationId xmlns:a16="http://schemas.microsoft.com/office/drawing/2014/main" id="{2CC56F71-2EBF-0C46-97FC-CFB306835CB7}"/>
               </a:ext>
             </a:extLst>
           </p:cNvPr>
-          <p:cNvPicPr>
-            <a:picLocks noGrp="1" noChangeAspect="1"/>
-          </p:cNvPicPr>
+          <p:cNvSpPr>
+            <a:spLocks noGrp="1"/>
+          </p:cNvSpPr>
           <p:nvPr>
             <p:ph idx="1"/>
           </p:nvPr>
-        </p:nvPicPr>
-        <p:blipFill>
-          <a:blip r:embed="rId2">
-            <a:extLst>
-              <a:ext uri="{28A0092B-C50C-407E-A947-70E740481C1C}">
-                <a14:useLocalDpi xmlns:a14="http://schemas.microsoft.com/office/drawing/2010/main" val="0"/>
-              </a:ext>
-            </a:extLst>
-          </a:blip>
-          <a:stretch>
-            <a:fillRect/>
-          </a:stretch>
-        </p:blipFill>
-        <p:spPr>
-          <a:xfrm>
-            <a:off x="3081014" y="1828800"/>
-            <a:ext cx="6029972" cy="4267200"/>
-          </a:xfrm>
-        </p:spPr>
-      </p:pic>
+        </p:nvSpPr>
+        <p:spPr/>
+        <p:txBody>
+          <a:bodyPr>
+            <a:normAutofit/>
+          </a:bodyPr>
+          <a:lstStyle/>
+          <a:p>
+            <a:r>
+              <a:rPr lang="en-US" sz="2400" dirty="0" err="1"/>
+              <a:t>Intensité</a:t>
+            </a:r>
+            <a:r>
+              <a:rPr lang="en-US" sz="2400" dirty="0"/>
+              <a:t> : </a:t>
+            </a:r>
+            <a:r>
+              <a:rPr lang="en-US" sz="2400" dirty="0" err="1"/>
+              <a:t>valeur</a:t>
+            </a:r>
+            <a:r>
+              <a:rPr lang="en-US" sz="2400" dirty="0"/>
+              <a:t> de 0 </a:t>
+            </a:r>
+            <a:r>
+              <a:rPr lang="en-US" sz="2400" dirty="0" err="1"/>
+              <a:t>à</a:t>
+            </a:r>
+            <a:r>
+              <a:rPr lang="en-US" sz="2400" dirty="0"/>
+              <a:t> 255 via un </a:t>
+            </a:r>
+            <a:r>
+              <a:rPr lang="en-US" sz="2400" dirty="0" err="1"/>
+              <a:t>calcul</a:t>
+            </a:r>
+            <a:r>
+              <a:rPr lang="en-US" sz="2400" dirty="0"/>
+              <a:t> </a:t>
+            </a:r>
+            <a:r>
+              <a:rPr lang="en-US" sz="2400" dirty="0">
+                <a:sym typeface="Wingdings" pitchFamily="2" charset="2"/>
+              </a:rPr>
+              <a:t> </a:t>
+            </a:r>
+            <a:r>
+              <a:rPr lang="en-US" sz="2400" dirty="0" err="1">
+                <a:sym typeface="Wingdings" pitchFamily="2" charset="2"/>
+              </a:rPr>
+              <a:t>paliers</a:t>
+            </a:r>
+            <a:r>
+              <a:rPr lang="en-US" sz="2400" dirty="0">
+                <a:sym typeface="Wingdings" pitchFamily="2" charset="2"/>
+              </a:rPr>
+              <a:t> </a:t>
+            </a:r>
+          </a:p>
+          <a:p>
+            <a:r>
+              <a:rPr lang="en-US" sz="2400" dirty="0"/>
+              <a:t>Extinction des LED </a:t>
+            </a:r>
+            <a:r>
+              <a:rPr lang="en-US" sz="2400" dirty="0" err="1"/>
+              <a:t>à</a:t>
+            </a:r>
+            <a:r>
+              <a:rPr lang="en-US" sz="2400" dirty="0"/>
+              <a:t> </a:t>
+            </a:r>
+            <a:r>
+              <a:rPr lang="en-US" sz="2400" dirty="0" err="1"/>
+              <a:t>chaque</a:t>
+            </a:r>
+            <a:r>
+              <a:rPr lang="en-US" sz="2400" dirty="0"/>
+              <a:t> tour de </a:t>
+            </a:r>
+            <a:r>
+              <a:rPr lang="en-US" sz="2400" dirty="0" err="1"/>
+              <a:t>définition</a:t>
+            </a:r>
+            <a:r>
+              <a:rPr lang="en-US" sz="2400" dirty="0"/>
+              <a:t> de couleur</a:t>
+            </a:r>
+          </a:p>
+        </p:txBody>
+      </p:sp>
     </p:spTree>
     <p:extLst>
       <p:ext uri="{BB962C8B-B14F-4D97-AF65-F5344CB8AC3E}">
-        <p14:creationId xmlns:p14="http://schemas.microsoft.com/office/powerpoint/2010/main" val="2374257877"/>
+        <p14:creationId xmlns:p14="http://schemas.microsoft.com/office/powerpoint/2010/main" val="2707386966"/>
       </p:ext>
     </p:extLst>
   </p:cSld>
@@ -6611,15 +6799,6 @@
 </file>
 
 <file path=customXml/item2.xml><?xml version="1.0" encoding="utf-8"?>
-<?mso-contentType ?>
-<FormTemplates xmlns="http://schemas.microsoft.com/sharepoint/v3/contenttype/forms">
-  <Display>DocumentLibraryForm</Display>
-  <Edit>AssetEditForm</Edit>
-  <New>DocumentLibraryForm</New>
-</FormTemplates>
-</file>
-
-<file path=customXml/item3.xml><?xml version="1.0" encoding="utf-8"?>
 <p:properties xmlns:p="http://schemas.microsoft.com/office/2006/metadata/properties" xmlns:xsi="http://www.w3.org/2001/XMLSchema-instance" xmlns:pc="http://schemas.microsoft.com/office/infopath/2007/PartnerControls">
   <documentManagement>
     <DirectSourceMarket xmlns="4873beb7-5857-4685-be1f-d57550cc96cc" xsi:nil="true"/>
@@ -6745,6 +6924,15 @@
 </p:properties>
 </file>
 
+<file path=customXml/item3.xml><?xml version="1.0" encoding="utf-8"?>
+<?mso-contentType ?>
+<FormTemplates xmlns="http://schemas.microsoft.com/sharepoint/v3/contenttype/forms">
+  <Display>DocumentLibraryForm</Display>
+  <Edit>AssetEditForm</Edit>
+  <New>DocumentLibraryForm</New>
+</FormTemplates>
+</file>
+
 <file path=customXml/itemProps1.xml><?xml version="1.0" encoding="utf-8"?>
 <ds:datastoreItem xmlns:ds="http://schemas.openxmlformats.org/officeDocument/2006/customXml" ds:itemID="{0B5C6E15-39DC-470B-9445-F754B9458020}">
   <ds:schemaRefs>
@@ -6764,14 +6952,6 @@
 </file>
 
 <file path=customXml/itemProps2.xml><?xml version="1.0" encoding="utf-8"?>
-<ds:datastoreItem xmlns:ds="http://schemas.openxmlformats.org/officeDocument/2006/customXml" ds:itemID="{746CFF6F-D9AA-4BC0-911A-0A1356771912}">
-  <ds:schemaRefs>
-    <ds:schemaRef ds:uri="http://schemas.microsoft.com/sharepoint/v3/contenttype/forms"/>
-  </ds:schemaRefs>
-</ds:datastoreItem>
-</file>
-
-<file path=customXml/itemProps3.xml><?xml version="1.0" encoding="utf-8"?>
 <ds:datastoreItem xmlns:ds="http://schemas.openxmlformats.org/officeDocument/2006/customXml" ds:itemID="{04098515-0C12-46CF-BC7C-69B4A13CD5FA}">
   <ds:schemaRefs>
     <ds:schemaRef ds:uri="http://purl.org/dc/elements/1.1/"/>
@@ -6785,4 +6965,12 @@
     <ds:schemaRef ds:uri="http://purl.org/dc/dcmitype/"/>
   </ds:schemaRefs>
 </ds:datastoreItem>
+</file>
+
+<file path=customXml/itemProps3.xml><?xml version="1.0" encoding="utf-8"?>
+<ds:datastoreItem xmlns:ds="http://schemas.openxmlformats.org/officeDocument/2006/customXml" ds:itemID="{746CFF6F-D9AA-4BC0-911A-0A1356771912}">
+  <ds:schemaRefs>
+    <ds:schemaRef ds:uri="http://schemas.microsoft.com/sharepoint/v3/contenttype/forms"/>
+  </ds:schemaRefs>
+</ds:datastoreItem>
 </file>